--- a/docs/chapter7/img/media-plan.pptx
+++ b/docs/chapter7/img/media-plan.pptx
@@ -104,6 +104,11 @@
       </a:defRPr>
     </a:lvl9pPr>
   </p:defaultTextStyle>
+  <p:extLst>
+    <p:ext uri="{EFAFB233-063F-42B5-8137-9DF3F51BA10A}">
+      <p15:sldGuideLst xmlns:p15="http://schemas.microsoft.com/office/powerpoint/2012/main"/>
+    </p:ext>
+  </p:extLst>
 </p:presentation>
 </file>
 
@@ -152,7 +157,6 @@
               <a:rPr lang="en-US"/>
               <a:t>Click to edit Master title style</a:t>
             </a:r>
-            <a:endParaRPr lang="en-US"/>
           </a:p>
         </p:txBody>
       </p:sp>
@@ -217,7 +221,6 @@
               <a:rPr lang="en-US"/>
               <a:t>Click to edit Master subtitle style</a:t>
             </a:r>
-            <a:endParaRPr lang="en-US"/>
           </a:p>
         </p:txBody>
       </p:sp>
@@ -238,7 +241,7 @@
           <a:p>
             <a:fld id="{E62C12F6-0F3B-49A7-B4F5-A826FDFE76D6}" type="datetimeFigureOut">
               <a:rPr lang="en-US" smtClean="0"/>
-              <a:t>2/1/2017</a:t>
+              <a:t>2/8/2017</a:t>
             </a:fld>
             <a:endParaRPr lang="en-US"/>
           </a:p>
@@ -335,7 +338,6 @@
               <a:rPr lang="en-US"/>
               <a:t>Click to edit Master title style</a:t>
             </a:r>
-            <a:endParaRPr lang="en-US"/>
           </a:p>
         </p:txBody>
       </p:sp>
@@ -387,7 +389,6 @@
               <a:rPr lang="en-US"/>
               <a:t>Fifth level</a:t>
             </a:r>
-            <a:endParaRPr lang="en-US"/>
           </a:p>
         </p:txBody>
       </p:sp>
@@ -408,7 +409,7 @@
           <a:p>
             <a:fld id="{E62C12F6-0F3B-49A7-B4F5-A826FDFE76D6}" type="datetimeFigureOut">
               <a:rPr lang="en-US" smtClean="0"/>
-              <a:t>2/1/2017</a:t>
+              <a:t>2/8/2017</a:t>
             </a:fld>
             <a:endParaRPr lang="en-US"/>
           </a:p>
@@ -510,7 +511,6 @@
               <a:rPr lang="en-US"/>
               <a:t>Click to edit Master title style</a:t>
             </a:r>
-            <a:endParaRPr lang="en-US"/>
           </a:p>
         </p:txBody>
       </p:sp>
@@ -567,7 +567,6 @@
               <a:rPr lang="en-US"/>
               <a:t>Fifth level</a:t>
             </a:r>
-            <a:endParaRPr lang="en-US"/>
           </a:p>
         </p:txBody>
       </p:sp>
@@ -588,7 +587,7 @@
           <a:p>
             <a:fld id="{E62C12F6-0F3B-49A7-B4F5-A826FDFE76D6}" type="datetimeFigureOut">
               <a:rPr lang="en-US" smtClean="0"/>
-              <a:t>2/1/2017</a:t>
+              <a:t>2/8/2017</a:t>
             </a:fld>
             <a:endParaRPr lang="en-US"/>
           </a:p>
@@ -685,7 +684,6 @@
               <a:rPr lang="en-US"/>
               <a:t>Click to edit Master title style</a:t>
             </a:r>
-            <a:endParaRPr lang="en-US"/>
           </a:p>
         </p:txBody>
       </p:sp>
@@ -737,7 +735,6 @@
               <a:rPr lang="en-US"/>
               <a:t>Fifth level</a:t>
             </a:r>
-            <a:endParaRPr lang="en-US"/>
           </a:p>
         </p:txBody>
       </p:sp>
@@ -758,7 +755,7 @@
           <a:p>
             <a:fld id="{E62C12F6-0F3B-49A7-B4F5-A826FDFE76D6}" type="datetimeFigureOut">
               <a:rPr lang="en-US" smtClean="0"/>
-              <a:t>2/1/2017</a:t>
+              <a:t>2/8/2017</a:t>
             </a:fld>
             <a:endParaRPr lang="en-US"/>
           </a:p>
@@ -864,7 +861,6 @@
               <a:rPr lang="en-US"/>
               <a:t>Click to edit Master title style</a:t>
             </a:r>
-            <a:endParaRPr lang="en-US"/>
           </a:p>
         </p:txBody>
       </p:sp>
@@ -1004,7 +1000,7 @@
           <a:p>
             <a:fld id="{E62C12F6-0F3B-49A7-B4F5-A826FDFE76D6}" type="datetimeFigureOut">
               <a:rPr lang="en-US" smtClean="0"/>
-              <a:t>2/1/2017</a:t>
+              <a:t>2/8/2017</a:t>
             </a:fld>
             <a:endParaRPr lang="en-US"/>
           </a:p>
@@ -1101,7 +1097,6 @@
               <a:rPr lang="en-US"/>
               <a:t>Click to edit Master title style</a:t>
             </a:r>
-            <a:endParaRPr lang="en-US"/>
           </a:p>
         </p:txBody>
       </p:sp>
@@ -1158,7 +1153,6 @@
               <a:rPr lang="en-US"/>
               <a:t>Fifth level</a:t>
             </a:r>
-            <a:endParaRPr lang="en-US"/>
           </a:p>
         </p:txBody>
       </p:sp>
@@ -1215,7 +1209,6 @@
               <a:rPr lang="en-US"/>
               <a:t>Fifth level</a:t>
             </a:r>
-            <a:endParaRPr lang="en-US"/>
           </a:p>
         </p:txBody>
       </p:sp>
@@ -1236,7 +1229,7 @@
           <a:p>
             <a:fld id="{E62C12F6-0F3B-49A7-B4F5-A826FDFE76D6}" type="datetimeFigureOut">
               <a:rPr lang="en-US" smtClean="0"/>
-              <a:t>2/1/2017</a:t>
+              <a:t>2/8/2017</a:t>
             </a:fld>
             <a:endParaRPr lang="en-US"/>
           </a:p>
@@ -1338,7 +1331,6 @@
               <a:rPr lang="en-US"/>
               <a:t>Click to edit Master title style</a:t>
             </a:r>
-            <a:endParaRPr lang="en-US"/>
           </a:p>
         </p:txBody>
       </p:sp>
@@ -1460,7 +1452,6 @@
               <a:rPr lang="en-US"/>
               <a:t>Fifth level</a:t>
             </a:r>
-            <a:endParaRPr lang="en-US"/>
           </a:p>
         </p:txBody>
       </p:sp>
@@ -1582,7 +1573,6 @@
               <a:rPr lang="en-US"/>
               <a:t>Fifth level</a:t>
             </a:r>
-            <a:endParaRPr lang="en-US"/>
           </a:p>
         </p:txBody>
       </p:sp>
@@ -1603,7 +1593,7 @@
           <a:p>
             <a:fld id="{E62C12F6-0F3B-49A7-B4F5-A826FDFE76D6}" type="datetimeFigureOut">
               <a:rPr lang="en-US" smtClean="0"/>
-              <a:t>2/1/2017</a:t>
+              <a:t>2/8/2017</a:t>
             </a:fld>
             <a:endParaRPr lang="en-US"/>
           </a:p>
@@ -1700,7 +1690,6 @@
               <a:rPr lang="en-US"/>
               <a:t>Click to edit Master title style</a:t>
             </a:r>
-            <a:endParaRPr lang="en-US"/>
           </a:p>
         </p:txBody>
       </p:sp>
@@ -1721,7 +1710,7 @@
           <a:p>
             <a:fld id="{E62C12F6-0F3B-49A7-B4F5-A826FDFE76D6}" type="datetimeFigureOut">
               <a:rPr lang="en-US" smtClean="0"/>
-              <a:t>2/1/2017</a:t>
+              <a:t>2/8/2017</a:t>
             </a:fld>
             <a:endParaRPr lang="en-US"/>
           </a:p>
@@ -1816,7 +1805,7 @@
           <a:p>
             <a:fld id="{E62C12F6-0F3B-49A7-B4F5-A826FDFE76D6}" type="datetimeFigureOut">
               <a:rPr lang="en-US" smtClean="0"/>
-              <a:t>2/1/2017</a:t>
+              <a:t>2/8/2017</a:t>
             </a:fld>
             <a:endParaRPr lang="en-US"/>
           </a:p>
@@ -1922,7 +1911,6 @@
               <a:rPr lang="en-US"/>
               <a:t>Click to edit Master title style</a:t>
             </a:r>
-            <a:endParaRPr lang="en-US"/>
           </a:p>
         </p:txBody>
       </p:sp>
@@ -2007,7 +1995,6 @@
               <a:rPr lang="en-US"/>
               <a:t>Fifth level</a:t>
             </a:r>
-            <a:endParaRPr lang="en-US"/>
           </a:p>
         </p:txBody>
       </p:sp>
@@ -2093,7 +2080,7 @@
           <a:p>
             <a:fld id="{E62C12F6-0F3B-49A7-B4F5-A826FDFE76D6}" type="datetimeFigureOut">
               <a:rPr lang="en-US" smtClean="0"/>
-              <a:t>2/1/2017</a:t>
+              <a:t>2/8/2017</a:t>
             </a:fld>
             <a:endParaRPr lang="en-US"/>
           </a:p>
@@ -2199,7 +2186,6 @@
               <a:rPr lang="en-US"/>
               <a:t>Click to edit Master title style</a:t>
             </a:r>
-            <a:endParaRPr lang="en-US"/>
           </a:p>
         </p:txBody>
       </p:sp>
@@ -2346,7 +2332,7 @@
           <a:p>
             <a:fld id="{E62C12F6-0F3B-49A7-B4F5-A826FDFE76D6}" type="datetimeFigureOut">
               <a:rPr lang="en-US" smtClean="0"/>
-              <a:t>2/1/2017</a:t>
+              <a:t>2/8/2017</a:t>
             </a:fld>
             <a:endParaRPr lang="en-US"/>
           </a:p>
@@ -2458,7 +2444,6 @@
               <a:rPr lang="en-US"/>
               <a:t>Click to edit Master title style</a:t>
             </a:r>
-            <a:endParaRPr lang="en-US"/>
           </a:p>
         </p:txBody>
       </p:sp>
@@ -2520,7 +2505,6 @@
               <a:rPr lang="en-US"/>
               <a:t>Fifth level</a:t>
             </a:r>
-            <a:endParaRPr lang="en-US"/>
           </a:p>
         </p:txBody>
       </p:sp>
@@ -2559,7 +2543,7 @@
           <a:p>
             <a:fld id="{E62C12F6-0F3B-49A7-B4F5-A826FDFE76D6}" type="datetimeFigureOut">
               <a:rPr lang="en-US" smtClean="0"/>
-              <a:t>2/1/2017</a:t>
+              <a:t>2/8/2017</a:t>
             </a:fld>
             <a:endParaRPr lang="en-US"/>
           </a:p>
@@ -2986,7 +2970,7 @@
         </p:blipFill>
         <p:spPr>
           <a:xfrm>
-            <a:off x="4833496" y="949923"/>
+            <a:off x="4833497" y="1733688"/>
             <a:ext cx="780290" cy="780290"/>
           </a:xfrm>
           <a:prstGeom prst="rect">
@@ -2996,7 +2980,7 @@
       </p:pic>
       <p:pic>
         <p:nvPicPr>
-          <p:cNvPr id="7" name="Picture 6"/>
+          <p:cNvPr id="9" name="Picture 8"/>
           <p:cNvPicPr>
             <a:picLocks noChangeAspect="1"/>
           </p:cNvPicPr>
@@ -3016,7 +3000,7 @@
         </p:blipFill>
         <p:spPr>
           <a:xfrm>
-            <a:off x="8308347" y="949923"/>
+            <a:off x="5902853" y="5628939"/>
             <a:ext cx="780290" cy="780290"/>
           </a:xfrm>
           <a:prstGeom prst="rect">
@@ -3026,7 +3010,7 @@
       </p:pic>
       <p:pic>
         <p:nvPicPr>
-          <p:cNvPr id="9" name="Picture 8"/>
+          <p:cNvPr id="13" name="Picture 12"/>
           <p:cNvPicPr>
             <a:picLocks noChangeAspect="1"/>
           </p:cNvPicPr>
@@ -3046,7 +3030,7 @@
         </p:blipFill>
         <p:spPr>
           <a:xfrm>
-            <a:off x="5902853" y="5628939"/>
+            <a:off x="4378853" y="4463339"/>
             <a:ext cx="780290" cy="780290"/>
           </a:xfrm>
           <a:prstGeom prst="rect">
@@ -3056,7 +3040,7 @@
       </p:pic>
       <p:pic>
         <p:nvPicPr>
-          <p:cNvPr id="13" name="Picture 12"/>
+          <p:cNvPr id="15" name="Picture 14"/>
           <p:cNvPicPr>
             <a:picLocks noChangeAspect="1"/>
           </p:cNvPicPr>
@@ -3076,7 +3060,7 @@
         </p:blipFill>
         <p:spPr>
           <a:xfrm>
-            <a:off x="4378853" y="4463339"/>
+            <a:off x="5902853" y="4463339"/>
             <a:ext cx="780290" cy="780290"/>
           </a:xfrm>
           <a:prstGeom prst="rect">
@@ -3086,7 +3070,7 @@
       </p:pic>
       <p:pic>
         <p:nvPicPr>
-          <p:cNvPr id="15" name="Picture 14"/>
+          <p:cNvPr id="17" name="Picture 16"/>
           <p:cNvPicPr>
             <a:picLocks noChangeAspect="1"/>
           </p:cNvPicPr>
@@ -3106,36 +3090,6 @@
         </p:blipFill>
         <p:spPr>
           <a:xfrm>
-            <a:off x="5902853" y="4463339"/>
-            <a:ext cx="780290" cy="780290"/>
-          </a:xfrm>
-          <a:prstGeom prst="rect">
-            <a:avLst/>
-          </a:prstGeom>
-        </p:spPr>
-      </p:pic>
-      <p:pic>
-        <p:nvPicPr>
-          <p:cNvPr id="17" name="Picture 16"/>
-          <p:cNvPicPr>
-            <a:picLocks noChangeAspect="1"/>
-          </p:cNvPicPr>
-          <p:nvPr/>
-        </p:nvPicPr>
-        <p:blipFill>
-          <a:blip r:embed="rId7">
-            <a:extLst>
-              <a:ext uri="{28A0092B-C50C-407E-A947-70E740481C1C}">
-                <a14:useLocalDpi xmlns:a14="http://schemas.microsoft.com/office/drawing/2010/main" val="0"/>
-              </a:ext>
-            </a:extLst>
-          </a:blip>
-          <a:stretch>
-            <a:fillRect/>
-          </a:stretch>
-        </p:blipFill>
-        <p:spPr>
-          <a:xfrm>
             <a:off x="5816509" y="3289431"/>
             <a:ext cx="780290" cy="780290"/>
           </a:xfrm>
@@ -3154,7 +3108,7 @@
         </p:nvCxnSpPr>
         <p:spPr>
           <a:xfrm>
-            <a:off x="2457450" y="1340068"/>
+            <a:off x="2457451" y="2123833"/>
             <a:ext cx="2376046" cy="0"/>
           </a:xfrm>
           <a:prstGeom prst="straightConnector1">
@@ -3296,7 +3250,7 @@
           <p:nvPr/>
         </p:nvPicPr>
         <p:blipFill>
-          <a:blip r:embed="rId8">
+          <a:blip r:embed="rId7">
             <a:extLst>
               <a:ext uri="{28A0092B-C50C-407E-A947-70E740481C1C}">
                 <a14:useLocalDpi xmlns:a14="http://schemas.microsoft.com/office/drawing/2010/main" val="0"/>
@@ -3361,7 +3315,7 @@
         </p:nvSpPr>
         <p:spPr>
           <a:xfrm>
-            <a:off x="1043697" y="1016902"/>
+            <a:off x="1043698" y="1800667"/>
             <a:ext cx="2669833" cy="646331"/>
           </a:xfrm>
           <a:prstGeom prst="rect">
@@ -3388,49 +3342,20 @@
           </a:p>
         </p:txBody>
       </p:sp>
-      <p:pic>
-        <p:nvPicPr>
-          <p:cNvPr id="35" name="Picture 34"/>
-          <p:cNvPicPr>
-            <a:picLocks noChangeAspect="1"/>
-          </p:cNvPicPr>
-          <p:nvPr/>
-        </p:nvPicPr>
-        <p:blipFill>
-          <a:blip r:embed="rId9">
-            <a:extLst>
-              <a:ext uri="{28A0092B-C50C-407E-A947-70E740481C1C}">
-                <a14:useLocalDpi xmlns:a14="http://schemas.microsoft.com/office/drawing/2010/main" val="0"/>
-              </a:ext>
-            </a:extLst>
-          </a:blip>
-          <a:stretch>
-            <a:fillRect/>
-          </a:stretch>
-        </p:blipFill>
-        <p:spPr>
-          <a:xfrm>
-            <a:off x="6494976" y="872972"/>
-            <a:ext cx="932181" cy="934190"/>
-          </a:xfrm>
-          <a:prstGeom prst="rect">
-            <a:avLst/>
-          </a:prstGeom>
-        </p:spPr>
-      </p:pic>
       <p:cxnSp>
         <p:nvCxnSpPr>
           <p:cNvPr id="37" name="Straight Arrow Connector 36"/>
           <p:cNvCxnSpPr>
+            <a:cxnSpLocks/>
             <a:stCxn id="5" idx="3"/>
-            <a:endCxn id="35" idx="1"/>
+            <a:endCxn id="44" idx="1"/>
           </p:cNvCxnSpPr>
           <p:nvPr/>
         </p:nvCxnSpPr>
         <p:spPr>
           <a:xfrm flipV="1">
-            <a:off x="5613786" y="1340067"/>
-            <a:ext cx="881190" cy="1"/>
+            <a:off x="5613787" y="2123832"/>
+            <a:ext cx="2694560" cy="1"/>
           </a:xfrm>
           <a:prstGeom prst="straightConnector1">
             <a:avLst/>
@@ -3454,79 +3379,6 @@
           </a:fontRef>
         </p:style>
       </p:cxnSp>
-      <p:cxnSp>
-        <p:nvCxnSpPr>
-          <p:cNvPr id="39" name="Straight Arrow Connector 38"/>
-          <p:cNvCxnSpPr>
-            <a:stCxn id="35" idx="3"/>
-            <a:endCxn id="7" idx="1"/>
-          </p:cNvCxnSpPr>
-          <p:nvPr/>
-        </p:nvCxnSpPr>
-        <p:spPr>
-          <a:xfrm>
-            <a:off x="7427157" y="1340067"/>
-            <a:ext cx="881190" cy="1"/>
-          </a:xfrm>
-          <a:prstGeom prst="straightConnector1">
-            <a:avLst/>
-          </a:prstGeom>
-          <a:ln>
-            <a:tailEnd type="triangle"/>
-          </a:ln>
-        </p:spPr>
-        <p:style>
-          <a:lnRef idx="1">
-            <a:schemeClr val="accent1"/>
-          </a:lnRef>
-          <a:fillRef idx="0">
-            <a:schemeClr val="accent1"/>
-          </a:fillRef>
-          <a:effectRef idx="0">
-            <a:schemeClr val="accent1"/>
-          </a:effectRef>
-          <a:fontRef idx="minor">
-            <a:schemeClr val="tx1"/>
-          </a:fontRef>
-        </p:style>
-      </p:cxnSp>
-      <p:sp>
-        <p:nvSpPr>
-          <p:cNvPr id="42" name="TextBox 41"/>
-          <p:cNvSpPr txBox="1"/>
-          <p:nvPr/>
-        </p:nvSpPr>
-        <p:spPr>
-          <a:xfrm>
-            <a:off x="5712254" y="370571"/>
-            <a:ext cx="2571345" cy="646331"/>
-          </a:xfrm>
-          <a:prstGeom prst="rect">
-            <a:avLst/>
-          </a:prstGeom>
-          <a:noFill/>
-        </p:spPr>
-        <p:txBody>
-          <a:bodyPr wrap="none" rtlCol="0">
-            <a:spAutoFit/>
-          </a:bodyPr>
-          <a:lstStyle/>
-          <a:p>
-            <a:pPr algn="ctr"/>
-            <a:r>
-              <a:rPr lang="en-US" dirty="0"/>
-              <a:t>Azure Function creates</a:t>
-            </a:r>
-          </a:p>
-          <a:p>
-            <a:pPr algn="ctr"/>
-            <a:r>
-              <a:rPr lang="en-US" dirty="0"/>
-              <a:t>a Queue Element on save</a:t>
-            </a:r>
-          </a:p>
-        </p:txBody>
-      </p:sp>
       <p:pic>
         <p:nvPicPr>
           <p:cNvPr id="44" name="Picture 43"/>
@@ -3536,7 +3388,7 @@
           <p:nvPr/>
         </p:nvPicPr>
         <p:blipFill>
-          <a:blip r:embed="rId10">
+          <a:blip r:embed="rId8">
             <a:extLst>
               <a:ext uri="{28A0092B-C50C-407E-A947-70E740481C1C}">
                 <a14:useLocalDpi xmlns:a14="http://schemas.microsoft.com/office/drawing/2010/main" val="0"/>
@@ -3549,7 +3401,7 @@
         </p:blipFill>
         <p:spPr>
           <a:xfrm>
-            <a:off x="8308347" y="2220647"/>
+            <a:off x="8308347" y="1733687"/>
             <a:ext cx="780290" cy="780290"/>
           </a:xfrm>
           <a:prstGeom prst="rect">
@@ -3557,42 +3409,6 @@
           </a:prstGeom>
         </p:spPr>
       </p:pic>
-      <p:cxnSp>
-        <p:nvCxnSpPr>
-          <p:cNvPr id="50" name="Straight Arrow Connector 49"/>
-          <p:cNvCxnSpPr>
-            <a:stCxn id="7" idx="2"/>
-            <a:endCxn id="44" idx="0"/>
-          </p:cNvCxnSpPr>
-          <p:nvPr/>
-        </p:nvCxnSpPr>
-        <p:spPr>
-          <a:xfrm>
-            <a:off x="8698492" y="1730213"/>
-            <a:ext cx="0" cy="490434"/>
-          </a:xfrm>
-          <a:prstGeom prst="straightConnector1">
-            <a:avLst/>
-          </a:prstGeom>
-          <a:ln>
-            <a:tailEnd type="triangle"/>
-          </a:ln>
-        </p:spPr>
-        <p:style>
-          <a:lnRef idx="1">
-            <a:schemeClr val="accent1"/>
-          </a:lnRef>
-          <a:fillRef idx="0">
-            <a:schemeClr val="accent1"/>
-          </a:fillRef>
-          <a:effectRef idx="0">
-            <a:schemeClr val="accent1"/>
-          </a:effectRef>
-          <a:fontRef idx="minor">
-            <a:schemeClr val="tx1"/>
-          </a:fontRef>
-        </p:style>
-      </p:cxnSp>
       <p:pic>
         <p:nvPicPr>
           <p:cNvPr id="51" name="Picture 50"/>
@@ -3694,8 +3510,8 @@
         </p:nvCxnSpPr>
         <p:spPr>
           <a:xfrm>
-            <a:off x="8698492" y="3000937"/>
-            <a:ext cx="0" cy="211544"/>
+            <a:off x="8698492" y="2513977"/>
+            <a:ext cx="0" cy="698504"/>
           </a:xfrm>
           <a:prstGeom prst="straightConnector1">
             <a:avLst/>
@@ -3799,7 +3615,7 @@
         </p:nvSpPr>
         <p:spPr>
           <a:xfrm>
-            <a:off x="9164582" y="2220647"/>
+            <a:off x="9164581" y="1867646"/>
             <a:ext cx="2089355" cy="646331"/>
           </a:xfrm>
           <a:prstGeom prst="rect">

--- a/docs/chapter7/img/media-plan.pptx
+++ b/docs/chapter7/img/media-plan.pptx
@@ -241,7 +241,7 @@
           <a:p>
             <a:fld id="{E62C12F6-0F3B-49A7-B4F5-A826FDFE76D6}" type="datetimeFigureOut">
               <a:rPr lang="en-US" smtClean="0"/>
-              <a:t>2/8/2017</a:t>
+              <a:t>3/21/2017</a:t>
             </a:fld>
             <a:endParaRPr lang="en-US"/>
           </a:p>
@@ -409,7 +409,7 @@
           <a:p>
             <a:fld id="{E62C12F6-0F3B-49A7-B4F5-A826FDFE76D6}" type="datetimeFigureOut">
               <a:rPr lang="en-US" smtClean="0"/>
-              <a:t>2/8/2017</a:t>
+              <a:t>3/21/2017</a:t>
             </a:fld>
             <a:endParaRPr lang="en-US"/>
           </a:p>
@@ -587,7 +587,7 @@
           <a:p>
             <a:fld id="{E62C12F6-0F3B-49A7-B4F5-A826FDFE76D6}" type="datetimeFigureOut">
               <a:rPr lang="en-US" smtClean="0"/>
-              <a:t>2/8/2017</a:t>
+              <a:t>3/21/2017</a:t>
             </a:fld>
             <a:endParaRPr lang="en-US"/>
           </a:p>
@@ -755,7 +755,7 @@
           <a:p>
             <a:fld id="{E62C12F6-0F3B-49A7-B4F5-A826FDFE76D6}" type="datetimeFigureOut">
               <a:rPr lang="en-US" smtClean="0"/>
-              <a:t>2/8/2017</a:t>
+              <a:t>3/21/2017</a:t>
             </a:fld>
             <a:endParaRPr lang="en-US"/>
           </a:p>
@@ -1000,7 +1000,7 @@
           <a:p>
             <a:fld id="{E62C12F6-0F3B-49A7-B4F5-A826FDFE76D6}" type="datetimeFigureOut">
               <a:rPr lang="en-US" smtClean="0"/>
-              <a:t>2/8/2017</a:t>
+              <a:t>3/21/2017</a:t>
             </a:fld>
             <a:endParaRPr lang="en-US"/>
           </a:p>
@@ -1229,7 +1229,7 @@
           <a:p>
             <a:fld id="{E62C12F6-0F3B-49A7-B4F5-A826FDFE76D6}" type="datetimeFigureOut">
               <a:rPr lang="en-US" smtClean="0"/>
-              <a:t>2/8/2017</a:t>
+              <a:t>3/21/2017</a:t>
             </a:fld>
             <a:endParaRPr lang="en-US"/>
           </a:p>
@@ -1593,7 +1593,7 @@
           <a:p>
             <a:fld id="{E62C12F6-0F3B-49A7-B4F5-A826FDFE76D6}" type="datetimeFigureOut">
               <a:rPr lang="en-US" smtClean="0"/>
-              <a:t>2/8/2017</a:t>
+              <a:t>3/21/2017</a:t>
             </a:fld>
             <a:endParaRPr lang="en-US"/>
           </a:p>
@@ -1710,7 +1710,7 @@
           <a:p>
             <a:fld id="{E62C12F6-0F3B-49A7-B4F5-A826FDFE76D6}" type="datetimeFigureOut">
               <a:rPr lang="en-US" smtClean="0"/>
-              <a:t>2/8/2017</a:t>
+              <a:t>3/21/2017</a:t>
             </a:fld>
             <a:endParaRPr lang="en-US"/>
           </a:p>
@@ -1805,7 +1805,7 @@
           <a:p>
             <a:fld id="{E62C12F6-0F3B-49A7-B4F5-A826FDFE76D6}" type="datetimeFigureOut">
               <a:rPr lang="en-US" smtClean="0"/>
-              <a:t>2/8/2017</a:t>
+              <a:t>3/21/2017</a:t>
             </a:fld>
             <a:endParaRPr lang="en-US"/>
           </a:p>
@@ -2080,7 +2080,7 @@
           <a:p>
             <a:fld id="{E62C12F6-0F3B-49A7-B4F5-A826FDFE76D6}" type="datetimeFigureOut">
               <a:rPr lang="en-US" smtClean="0"/>
-              <a:t>2/8/2017</a:t>
+              <a:t>3/21/2017</a:t>
             </a:fld>
             <a:endParaRPr lang="en-US"/>
           </a:p>
@@ -2332,7 +2332,7 @@
           <a:p>
             <a:fld id="{E62C12F6-0F3B-49A7-B4F5-A826FDFE76D6}" type="datetimeFigureOut">
               <a:rPr lang="en-US" smtClean="0"/>
-              <a:t>2/8/2017</a:t>
+              <a:t>3/21/2017</a:t>
             </a:fld>
             <a:endParaRPr lang="en-US"/>
           </a:p>
@@ -2543,7 +2543,7 @@
           <a:p>
             <a:fld id="{E62C12F6-0F3B-49A7-B4F5-A826FDFE76D6}" type="datetimeFigureOut">
               <a:rPr lang="en-US" smtClean="0"/>
-              <a:t>2/8/2017</a:t>
+              <a:t>3/21/2017</a:t>
             </a:fld>
             <a:endParaRPr lang="en-US"/>
           </a:p>
@@ -3342,46 +3342,9 @@
           </a:p>
         </p:txBody>
       </p:sp>
-      <p:cxnSp>
-        <p:nvCxnSpPr>
-          <p:cNvPr id="37" name="Straight Arrow Connector 36"/>
-          <p:cNvCxnSpPr>
-            <a:cxnSpLocks/>
-            <a:stCxn id="5" idx="3"/>
-            <a:endCxn id="44" idx="1"/>
-          </p:cNvCxnSpPr>
-          <p:nvPr/>
-        </p:nvCxnSpPr>
-        <p:spPr>
-          <a:xfrm flipV="1">
-            <a:off x="5613787" y="2123832"/>
-            <a:ext cx="2694560" cy="1"/>
-          </a:xfrm>
-          <a:prstGeom prst="straightConnector1">
-            <a:avLst/>
-          </a:prstGeom>
-          <a:ln>
-            <a:tailEnd type="triangle"/>
-          </a:ln>
-        </p:spPr>
-        <p:style>
-          <a:lnRef idx="1">
-            <a:schemeClr val="accent1"/>
-          </a:lnRef>
-          <a:fillRef idx="0">
-            <a:schemeClr val="accent1"/>
-          </a:fillRef>
-          <a:effectRef idx="0">
-            <a:schemeClr val="accent1"/>
-          </a:effectRef>
-          <a:fontRef idx="minor">
-            <a:schemeClr val="tx1"/>
-          </a:fontRef>
-        </p:style>
-      </p:cxnSp>
       <p:pic>
         <p:nvPicPr>
-          <p:cNvPr id="44" name="Picture 43"/>
+          <p:cNvPr id="51" name="Picture 50"/>
           <p:cNvPicPr>
             <a:picLocks noChangeAspect="1"/>
           </p:cNvPicPr>
@@ -3401,8 +3364,8 @@
         </p:blipFill>
         <p:spPr>
           <a:xfrm>
-            <a:off x="8308347" y="1733687"/>
-            <a:ext cx="780290" cy="780290"/>
+            <a:off x="8232401" y="3212481"/>
+            <a:ext cx="932181" cy="934190"/>
           </a:xfrm>
           <a:prstGeom prst="rect">
             <a:avLst/>
@@ -3411,14 +3374,14 @@
       </p:pic>
       <p:pic>
         <p:nvPicPr>
-          <p:cNvPr id="51" name="Picture 50"/>
+          <p:cNvPr id="52" name="Picture 51"/>
           <p:cNvPicPr>
             <a:picLocks noChangeAspect="1"/>
           </p:cNvPicPr>
           <p:nvPr/>
         </p:nvPicPr>
         <p:blipFill>
-          <a:blip r:embed="rId9">
+          <a:blip r:embed="rId8">
             <a:extLst>
               <a:ext uri="{28A0092B-C50C-407E-A947-70E740481C1C}">
                 <a14:useLocalDpi xmlns:a14="http://schemas.microsoft.com/office/drawing/2010/main" val="0"/>
@@ -3431,7 +3394,7 @@
         </p:blipFill>
         <p:spPr>
           <a:xfrm>
-            <a:off x="8232401" y="3212481"/>
+            <a:off x="8232401" y="4386389"/>
             <a:ext cx="932181" cy="934190"/>
           </a:xfrm>
           <a:prstGeom prst="rect">
@@ -3441,14 +3404,14 @@
       </p:pic>
       <p:pic>
         <p:nvPicPr>
-          <p:cNvPr id="52" name="Picture 51"/>
+          <p:cNvPr id="53" name="Picture 52"/>
           <p:cNvPicPr>
             <a:picLocks noChangeAspect="1"/>
           </p:cNvPicPr>
           <p:nvPr/>
         </p:nvPicPr>
         <p:blipFill>
-          <a:blip r:embed="rId9">
+          <a:blip r:embed="rId8">
             <a:extLst>
               <a:ext uri="{28A0092B-C50C-407E-A947-70E740481C1C}">
                 <a14:useLocalDpi xmlns:a14="http://schemas.microsoft.com/office/drawing/2010/main" val="0"/>
@@ -3461,7 +3424,7 @@
         </p:blipFill>
         <p:spPr>
           <a:xfrm>
-            <a:off x="8232401" y="4386389"/>
+            <a:off x="8232401" y="5550523"/>
             <a:ext cx="932181" cy="934190"/>
           </a:xfrm>
           <a:prstGeom prst="rect">
@@ -3469,72 +3432,6 @@
           </a:prstGeom>
         </p:spPr>
       </p:pic>
-      <p:pic>
-        <p:nvPicPr>
-          <p:cNvPr id="53" name="Picture 52"/>
-          <p:cNvPicPr>
-            <a:picLocks noChangeAspect="1"/>
-          </p:cNvPicPr>
-          <p:nvPr/>
-        </p:nvPicPr>
-        <p:blipFill>
-          <a:blip r:embed="rId9">
-            <a:extLst>
-              <a:ext uri="{28A0092B-C50C-407E-A947-70E740481C1C}">
-                <a14:useLocalDpi xmlns:a14="http://schemas.microsoft.com/office/drawing/2010/main" val="0"/>
-              </a:ext>
-            </a:extLst>
-          </a:blip>
-          <a:stretch>
-            <a:fillRect/>
-          </a:stretch>
-        </p:blipFill>
-        <p:spPr>
-          <a:xfrm>
-            <a:off x="8232401" y="5550523"/>
-            <a:ext cx="932181" cy="934190"/>
-          </a:xfrm>
-          <a:prstGeom prst="rect">
-            <a:avLst/>
-          </a:prstGeom>
-        </p:spPr>
-      </p:pic>
-      <p:cxnSp>
-        <p:nvCxnSpPr>
-          <p:cNvPr id="55" name="Straight Arrow Connector 54"/>
-          <p:cNvCxnSpPr>
-            <a:stCxn id="44" idx="2"/>
-            <a:endCxn id="51" idx="0"/>
-          </p:cNvCxnSpPr>
-          <p:nvPr/>
-        </p:nvCxnSpPr>
-        <p:spPr>
-          <a:xfrm>
-            <a:off x="8698492" y="2513977"/>
-            <a:ext cx="0" cy="698504"/>
-          </a:xfrm>
-          <a:prstGeom prst="straightConnector1">
-            <a:avLst/>
-          </a:prstGeom>
-          <a:ln>
-            <a:tailEnd type="triangle"/>
-          </a:ln>
-        </p:spPr>
-        <p:style>
-          <a:lnRef idx="1">
-            <a:schemeClr val="accent1"/>
-          </a:lnRef>
-          <a:fillRef idx="0">
-            <a:schemeClr val="accent1"/>
-          </a:fillRef>
-          <a:effectRef idx="0">
-            <a:schemeClr val="accent1"/>
-          </a:effectRef>
-          <a:fontRef idx="minor">
-            <a:schemeClr val="tx1"/>
-          </a:fontRef>
-        </p:style>
-      </p:cxnSp>
       <p:cxnSp>
         <p:nvCxnSpPr>
           <p:cNvPr id="58" name="Straight Arrow Connector 57"/>
@@ -3609,41 +3506,6 @@
       </p:cxnSp>
       <p:sp>
         <p:nvSpPr>
-          <p:cNvPr id="61" name="TextBox 60"/>
-          <p:cNvSpPr txBox="1"/>
-          <p:nvPr/>
-        </p:nvSpPr>
-        <p:spPr>
-          <a:xfrm>
-            <a:off x="9164581" y="1867646"/>
-            <a:ext cx="2089355" cy="646331"/>
-          </a:xfrm>
-          <a:prstGeom prst="rect">
-            <a:avLst/>
-          </a:prstGeom>
-          <a:noFill/>
-        </p:spPr>
-        <p:txBody>
-          <a:bodyPr wrap="none" rtlCol="0">
-            <a:spAutoFit/>
-          </a:bodyPr>
-          <a:lstStyle/>
-          <a:p>
-            <a:r>
-              <a:rPr lang="en-US" dirty="0"/>
-              <a:t>Logic App does the</a:t>
-            </a:r>
-          </a:p>
-          <a:p>
-            <a:r>
-              <a:rPr lang="en-US" dirty="0"/>
-              <a:t>Serialization of tasks</a:t>
-            </a:r>
-          </a:p>
-        </p:txBody>
-      </p:sp>
-      <p:sp>
-        <p:nvSpPr>
           <p:cNvPr id="62" name="TextBox 61"/>
           <p:cNvSpPr txBox="1"/>
           <p:nvPr/>
@@ -3899,6 +3761,42 @@
           </a:p>
         </p:txBody>
       </p:sp>
+      <p:cxnSp>
+        <p:nvCxnSpPr>
+          <p:cNvPr id="4" name="Connector: Elbow 3"/>
+          <p:cNvCxnSpPr>
+            <a:stCxn id="5" idx="3"/>
+            <a:endCxn id="51" idx="0"/>
+          </p:cNvCxnSpPr>
+          <p:nvPr/>
+        </p:nvCxnSpPr>
+        <p:spPr>
+          <a:xfrm>
+            <a:off x="5613787" y="2123833"/>
+            <a:ext cx="3084705" cy="1088648"/>
+          </a:xfrm>
+          <a:prstGeom prst="bentConnector2">
+            <a:avLst/>
+          </a:prstGeom>
+          <a:ln>
+            <a:tailEnd type="triangle"/>
+          </a:ln>
+        </p:spPr>
+        <p:style>
+          <a:lnRef idx="1">
+            <a:schemeClr val="accent1"/>
+          </a:lnRef>
+          <a:fillRef idx="0">
+            <a:schemeClr val="accent1"/>
+          </a:fillRef>
+          <a:effectRef idx="0">
+            <a:schemeClr val="accent1"/>
+          </a:effectRef>
+          <a:fontRef idx="minor">
+            <a:schemeClr val="tx1"/>
+          </a:fontRef>
+        </p:style>
+      </p:cxnSp>
     </p:spTree>
     <p:extLst>
       <p:ext uri="{BB962C8B-B14F-4D97-AF65-F5344CB8AC3E}">
